--- a/test_files/test-ppt1.pptx
+++ b/test_files/test-ppt1.pptx
@@ -895,7 +895,7 @@
                   <a:srgbClr val="ffffff"/>
                 </a:solidFill>
               </a:rPr>
-              <a:t>Created using Officegen version 0.2.9</a:t>
+              <a:t>Created using Officegen version 0.3.0</a:t>
             </a:r>
             <a:endParaRPr lang="en-US" dirty="0"/>
           </a:p>
